--- a/doc/SyntaxExamples.pptx
+++ b/doc/SyntaxExamples.pptx
@@ -273,7 +273,7 @@
               <a:pPr>
                 <a:defRPr/>
               </a:pPr>
-              <a:t>04.03.2020</a:t>
+              <a:t>22.06.2021</a:t>
             </a:fld>
             <a:endParaRPr lang="de-DE" altLang="de-DE" dirty="0"/>
           </a:p>
@@ -478,7 +478,7 @@
               <a:pPr>
                 <a:defRPr/>
               </a:pPr>
-              <a:t>04.03.2020</a:t>
+              <a:t>22.06.2021</a:t>
             </a:fld>
             <a:endParaRPr lang="de-DE" altLang="de-DE" dirty="0"/>
           </a:p>
@@ -901,7 +901,7 @@
           <a:noFill/>
           <a:extLst>
             <a:ext uri="{909E8E84-426E-40dd-AFC4-6F175D3DCCD1}">
-              <a14:hiddenFill xmlns="" xmlns:a14="http://schemas.microsoft.com/office/drawing/2010/main">
+              <a14:hiddenFill xmlns:a14="http://schemas.microsoft.com/office/drawing/2010/main" xmlns="">
                 <a:solidFill>
                   <a:srgbClr val="FFFFFF"/>
                 </a:solidFill>
@@ -1997,7 +1997,7 @@
           <a:noFill/>
           <a:extLst>
             <a:ext uri="{909E8E84-426E-40dd-AFC4-6F175D3DCCD1}">
-              <a14:hiddenFill xmlns="" xmlns:a14="http://schemas.microsoft.com/office/drawing/2010/main">
+              <a14:hiddenFill xmlns:a14="http://schemas.microsoft.com/office/drawing/2010/main" xmlns="">
                 <a:solidFill>
                   <a:srgbClr val="FFFFFF"/>
                 </a:solidFill>
@@ -2465,7 +2465,7 @@
           <a:noFill/>
           <a:extLst>
             <a:ext uri="{909E8E84-426E-40dd-AFC4-6F175D3DCCD1}">
-              <a14:hiddenFill xmlns="" xmlns:a14="http://schemas.microsoft.com/office/drawing/2010/main">
+              <a14:hiddenFill xmlns:a14="http://schemas.microsoft.com/office/drawing/2010/main" xmlns="">
                 <a:solidFill>
                   <a:srgbClr val="FFFFFF"/>
                 </a:solidFill>
@@ -3558,7 +3558,7 @@
           <a:noFill/>
           <a:extLst>
             <a:ext uri="{909E8E84-426E-40dd-AFC4-6F175D3DCCD1}">
-              <a14:hiddenFill xmlns="" xmlns:a14="http://schemas.microsoft.com/office/drawing/2010/main">
+              <a14:hiddenFill xmlns:a14="http://schemas.microsoft.com/office/drawing/2010/main" xmlns="">
                 <a:solidFill>
                   <a:srgbClr val="FFFFFF"/>
                 </a:solidFill>
@@ -3961,7 +3961,7 @@
           <a:noFill/>
           <a:extLst>
             <a:ext uri="{909E8E84-426E-40dd-AFC4-6F175D3DCCD1}">
-              <a14:hiddenFill xmlns="" xmlns:a14="http://schemas.microsoft.com/office/drawing/2010/main">
+              <a14:hiddenFill xmlns:a14="http://schemas.microsoft.com/office/drawing/2010/main" xmlns="">
                 <a:solidFill>
                   <a:srgbClr val="FFFFFF"/>
                 </a:solidFill>
@@ -4764,7 +4764,7 @@
           <a:noFill/>
           <a:extLst>
             <a:ext uri="{909E8E84-426E-40dd-AFC4-6F175D3DCCD1}">
-              <a14:hiddenFill xmlns="" xmlns:a14="http://schemas.microsoft.com/office/drawing/2010/main">
+              <a14:hiddenFill xmlns:a14="http://schemas.microsoft.com/office/drawing/2010/main" xmlns="">
                 <a:solidFill>
                   <a:srgbClr val="FFFFFF"/>
                 </a:solidFill>
@@ -5492,7 +5492,7 @@
           <a:noFill/>
           <a:extLst>
             <a:ext uri="{909E8E84-426E-40dd-AFC4-6F175D3DCCD1}">
-              <a14:hiddenFill xmlns="" xmlns:a14="http://schemas.microsoft.com/office/drawing/2010/main">
+              <a14:hiddenFill xmlns:a14="http://schemas.microsoft.com/office/drawing/2010/main" xmlns="">
                 <a:solidFill>
                   <a:srgbClr val="FFFFFF"/>
                 </a:solidFill>
@@ -6573,8 +6573,8 @@
         </p:nvSpPr>
         <p:spPr>
           <a:xfrm>
-            <a:off x="486819" y="1098943"/>
-            <a:ext cx="5982656" cy="2787087"/>
+            <a:off x="486819" y="1098944"/>
+            <a:ext cx="5982656" cy="2605632"/>
           </a:xfrm>
           <a:ln w="9525">
             <a:solidFill>
@@ -6583,7 +6583,7 @@
           </a:ln>
         </p:spPr>
         <p:txBody>
-          <a:bodyPr lIns="36000"/>
+          <a:bodyPr lIns="36000" tIns="72000"/>
           <a:lstStyle/>
           <a:p>
             <a:pPr marL="0" indent="0">
@@ -6600,17 +6600,6 @@
                 <a:latin typeface="Consolas" panose="020B0609020204030204" pitchFamily="49" charset="0"/>
               </a:rPr>
               <a:t> Car {</a:t>
-            </a:r>
-          </a:p>
-          <a:p>
-            <a:pPr marL="0" indent="0">
-              <a:buNone/>
-            </a:pPr>
-            <a:r>
-              <a:rPr lang="en-US" sz="1600" dirty="0">
-                <a:latin typeface="Consolas" panose="020B0609020204030204" pitchFamily="49" charset="0"/>
-              </a:rPr>
-              <a:t>  root Car;</a:t>
             </a:r>
           </a:p>
           <a:p>
@@ -6802,8 +6791,8 @@
         </p:nvSpPr>
         <p:spPr>
           <a:xfrm>
-            <a:off x="163701" y="1098943"/>
-            <a:ext cx="323118" cy="2787087"/>
+            <a:off x="163701" y="1098944"/>
+            <a:ext cx="323118" cy="2605632"/>
           </a:xfrm>
           <a:prstGeom prst="rect">
             <a:avLst/>
@@ -6815,7 +6804,7 @@
           </a:ln>
         </p:spPr>
         <p:txBody>
-          <a:bodyPr wrap="square" lIns="0" tIns="0" rIns="0" bIns="0"/>
+          <a:bodyPr wrap="square" lIns="0" tIns="72000" rIns="0" bIns="0"/>
           <a:lstStyle>
             <a:lvl1pPr marL="216000" indent="-216000" algn="l" defTabSz="215900" rtl="0" eaLnBrk="1" fontAlgn="base" hangingPunct="1">
               <a:spcBef>
@@ -7143,12 +7132,6 @@
               <a:buFont typeface="Arial" panose="020B0604020202020204" pitchFamily="34" charset="0"/>
               <a:buNone/>
             </a:pPr>
-            <a:r>
-              <a:rPr lang="en-US" sz="1600" dirty="0" smtClean="0">
-                <a:latin typeface="Consolas" panose="020B0609020204030204" pitchFamily="49" charset="0"/>
-              </a:rPr>
-              <a:t>11</a:t>
-            </a:r>
             <a:endParaRPr lang="en-US" sz="1600" dirty="0">
               <a:latin typeface="Consolas" panose="020B0609020204030204" pitchFamily="49" charset="0"/>
             </a:endParaRPr>
@@ -7304,7 +7287,7 @@
         </p:nvSpPr>
         <p:spPr>
           <a:xfrm>
-            <a:off x="8338583" y="2449107"/>
+            <a:off x="8338583" y="2331113"/>
             <a:ext cx="1035773" cy="446749"/>
           </a:xfrm>
           <a:prstGeom prst="rect">
@@ -7360,7 +7343,7 @@
         </p:nvSpPr>
         <p:spPr>
           <a:xfrm>
-            <a:off x="9551221" y="2452695"/>
+            <a:off x="9551221" y="2334701"/>
             <a:ext cx="1088927" cy="446749"/>
           </a:xfrm>
           <a:prstGeom prst="rect">
@@ -7419,7 +7402,7 @@
         </p:nvCxnSpPr>
         <p:spPr>
           <a:xfrm flipH="1">
-            <a:off x="8914422" y="1894116"/>
+            <a:off x="8914422" y="1776122"/>
             <a:ext cx="489484" cy="428553"/>
           </a:xfrm>
           <a:prstGeom prst="line">
@@ -7457,7 +7440,7 @@
         </p:nvCxnSpPr>
         <p:spPr>
           <a:xfrm>
-            <a:off x="9403906" y="1894116"/>
+            <a:off x="9403906" y="1776122"/>
             <a:ext cx="618121" cy="558579"/>
           </a:xfrm>
           <a:prstGeom prst="line">
@@ -7492,7 +7475,7 @@
         </p:nvSpPr>
         <p:spPr>
           <a:xfrm>
-            <a:off x="9027262" y="1447367"/>
+            <a:off x="9027262" y="1329373"/>
             <a:ext cx="753289" cy="446749"/>
           </a:xfrm>
           <a:prstGeom prst="rect">
@@ -7543,7 +7526,7 @@
         </p:nvSpPr>
         <p:spPr>
           <a:xfrm>
-            <a:off x="10787462" y="2465881"/>
+            <a:off x="10787462" y="2347887"/>
             <a:ext cx="1088927" cy="446749"/>
           </a:xfrm>
           <a:prstGeom prst="rect">
@@ -7599,7 +7582,7 @@
         </p:nvSpPr>
         <p:spPr>
           <a:xfrm>
-            <a:off x="8338583" y="3118619"/>
+            <a:off x="8338583" y="3000625"/>
             <a:ext cx="1035773" cy="446749"/>
           </a:xfrm>
           <a:prstGeom prst="rect">
@@ -7648,7 +7631,7 @@
         </p:nvSpPr>
         <p:spPr>
           <a:xfrm>
-            <a:off x="6737843" y="2449107"/>
+            <a:off x="6737843" y="2331113"/>
             <a:ext cx="1475148" cy="446749"/>
           </a:xfrm>
           <a:prstGeom prst="rect">
@@ -7704,7 +7687,7 @@
         </p:nvCxnSpPr>
         <p:spPr>
           <a:xfrm flipH="1">
-            <a:off x="7453778" y="1894116"/>
+            <a:off x="7453778" y="1776122"/>
             <a:ext cx="1950129" cy="428553"/>
           </a:xfrm>
           <a:prstGeom prst="line">
@@ -7742,7 +7725,7 @@
         </p:nvCxnSpPr>
         <p:spPr>
           <a:xfrm>
-            <a:off x="9403906" y="1894116"/>
+            <a:off x="9403906" y="1776122"/>
             <a:ext cx="1928020" cy="571765"/>
           </a:xfrm>
           <a:prstGeom prst="line">
@@ -7777,7 +7760,7 @@
         </p:nvSpPr>
         <p:spPr>
           <a:xfrm>
-            <a:off x="7333233" y="2301987"/>
+            <a:off x="7333233" y="2183993"/>
             <a:ext cx="141226" cy="141226"/>
           </a:xfrm>
           <a:prstGeom prst="ellipse">
@@ -7826,7 +7809,7 @@
         </p:nvSpPr>
         <p:spPr>
           <a:xfrm>
-            <a:off x="8785857" y="2977393"/>
+            <a:off x="8785857" y="2859399"/>
             <a:ext cx="141226" cy="141226"/>
           </a:xfrm>
           <a:prstGeom prst="ellipse">
@@ -7875,7 +7858,7 @@
         </p:nvSpPr>
         <p:spPr>
           <a:xfrm>
-            <a:off x="9229591" y="1720672"/>
+            <a:off x="9229591" y="1602678"/>
             <a:ext cx="615569" cy="476562"/>
           </a:xfrm>
           <a:prstGeom prst="arc">
@@ -7924,7 +7907,7 @@
         </p:nvCxnSpPr>
         <p:spPr>
           <a:xfrm>
-            <a:off x="8856470" y="2895856"/>
+            <a:off x="8856470" y="2777862"/>
             <a:ext cx="0" cy="81537"/>
           </a:xfrm>
           <a:prstGeom prst="line">
@@ -7959,7 +7942,7 @@
         </p:nvSpPr>
         <p:spPr>
           <a:xfrm>
-            <a:off x="8793878" y="2301987"/>
+            <a:off x="8793878" y="2183993"/>
             <a:ext cx="141226" cy="141226"/>
           </a:xfrm>
           <a:prstGeom prst="ellipse">
@@ -8011,7 +7994,7 @@
         </p:nvCxnSpPr>
         <p:spPr>
           <a:xfrm rot="10800000">
-            <a:off x="7475417" y="2895856"/>
+            <a:off x="7475417" y="2777862"/>
             <a:ext cx="863166" cy="446138"/>
           </a:xfrm>
           <a:prstGeom prst="bentConnector2">
@@ -8050,7 +8033,7 @@
         <p:spPr>
           <a:xfrm>
             <a:off x="6643683" y="1098944"/>
-            <a:ext cx="5358298" cy="2787086"/>
+            <a:ext cx="5358298" cy="2605632"/>
           </a:xfrm>
           <a:prstGeom prst="rect">
             <a:avLst/>
@@ -8098,7 +8081,7 @@
         </p:nvSpPr>
         <p:spPr>
           <a:xfrm>
-            <a:off x="7302049" y="3261865"/>
+            <a:off x="7302049" y="3143871"/>
             <a:ext cx="1209905" cy="442710"/>
           </a:xfrm>
           <a:prstGeom prst="rect">
@@ -8284,7 +8267,7 @@
         </p:nvSpPr>
         <p:spPr>
           <a:xfrm>
-            <a:off x="3376458" y="4641589"/>
+            <a:off x="3376458" y="4199141"/>
             <a:ext cx="5982656" cy="894968"/>
           </a:xfrm>
           <a:prstGeom prst="rect">
@@ -8572,7 +8555,7 @@
         </p:nvSpPr>
         <p:spPr>
           <a:xfrm>
-            <a:off x="3053340" y="4641589"/>
+            <a:off x="3053340" y="4199141"/>
             <a:ext cx="323118" cy="894968"/>
           </a:xfrm>
           <a:prstGeom prst="rect">
@@ -8845,7 +8828,7 @@
         </p:nvSpPr>
         <p:spPr bwMode="auto">
           <a:xfrm flipV="1">
-            <a:off x="8670513" y="4759161"/>
+            <a:off x="8670513" y="4316713"/>
             <a:ext cx="586912" cy="249786"/>
           </a:xfrm>
           <a:prstGeom prst="foldedCorner">
